--- a/현대물리실험/발표PPT.pptx
+++ b/현대물리실험/발표PPT.pptx
@@ -5,7 +5,7 @@
     <p:sldMasterId id="2147483648" r:id="rId1"/>
   </p:sldMasterIdLst>
   <p:notesMasterIdLst>
-    <p:notesMasterId r:id="rId16"/>
+    <p:notesMasterId r:id="rId18"/>
   </p:notesMasterIdLst>
   <p:sldIdLst>
     <p:sldId id="256" r:id="rId2"/>
@@ -18,10 +18,12 @@
     <p:sldId id="273" r:id="rId9"/>
     <p:sldId id="274" r:id="rId10"/>
     <p:sldId id="275" r:id="rId11"/>
-    <p:sldId id="277" r:id="rId12"/>
-    <p:sldId id="278" r:id="rId13"/>
-    <p:sldId id="280" r:id="rId14"/>
-    <p:sldId id="281" r:id="rId15"/>
+    <p:sldId id="282" r:id="rId12"/>
+    <p:sldId id="277" r:id="rId13"/>
+    <p:sldId id="278" r:id="rId14"/>
+    <p:sldId id="280" r:id="rId15"/>
+    <p:sldId id="283" r:id="rId16"/>
+    <p:sldId id="281" r:id="rId17"/>
   </p:sldIdLst>
   <p:sldSz cx="12192000" cy="6858000"/>
   <p:notesSz cx="6858000" cy="9144000"/>
@@ -4114,6 +4116,58 @@
           </a:p>
         </p:txBody>
       </p:sp>
+      <p:sp>
+        <p:nvSpPr>
+          <p:cNvPr id="4" name="직사각형 3">
+            <a:extLst>
+              <a:ext uri="{FF2B5EF4-FFF2-40B4-BE49-F238E27FC236}">
+                <a16:creationId xmlns:a16="http://schemas.microsoft.com/office/drawing/2014/main" id="{1A66387D-068B-D923-A00B-D8760DF0ADF3}"/>
+              </a:ext>
+            </a:extLst>
+          </p:cNvPr>
+          <p:cNvSpPr/>
+          <p:nvPr/>
+        </p:nvSpPr>
+        <p:spPr>
+          <a:xfrm>
+            <a:off x="10126133" y="5327075"/>
+            <a:ext cx="1924756" cy="1474481"/>
+          </a:xfrm>
+          <a:prstGeom prst="rect">
+            <a:avLst/>
+          </a:prstGeom>
+          <a:solidFill>
+            <a:schemeClr val="bg1"/>
+          </a:solidFill>
+          <a:ln>
+            <a:noFill/>
+          </a:ln>
+        </p:spPr>
+        <p:style>
+          <a:lnRef idx="2">
+            <a:schemeClr val="accent1">
+              <a:shade val="15000"/>
+            </a:schemeClr>
+          </a:lnRef>
+          <a:fillRef idx="1">
+            <a:schemeClr val="accent1"/>
+          </a:fillRef>
+          <a:effectRef idx="0">
+            <a:schemeClr val="accent1"/>
+          </a:effectRef>
+          <a:fontRef idx="minor">
+            <a:schemeClr val="lt1"/>
+          </a:fontRef>
+        </p:style>
+        <p:txBody>
+          <a:bodyPr rtlCol="0" anchor="ctr"/>
+          <a:lstStyle/>
+          <a:p>
+            <a:pPr algn="ctr"/>
+            <a:endParaRPr lang="ko-KR" altLang="en-US"/>
+          </a:p>
+        </p:txBody>
+      </p:sp>
     </p:spTree>
     <p:extLst>
       <p:ext uri="{BB962C8B-B14F-4D97-AF65-F5344CB8AC3E}">
@@ -4861,7 +4915,7 @@
           <p:cNvPr id="2" name="제목 1">
             <a:extLst>
               <a:ext uri="{FF2B5EF4-FFF2-40B4-BE49-F238E27FC236}">
-                <a16:creationId xmlns:a16="http://schemas.microsoft.com/office/drawing/2014/main" id="{80677960-83F5-5987-70B2-BFAC45C2349A}"/>
+                <a16:creationId xmlns:a16="http://schemas.microsoft.com/office/drawing/2014/main" id="{D537817E-D62F-1A08-49B7-99CDE62EAEB1}"/>
               </a:ext>
             </a:extLst>
           </p:cNvPr>
@@ -4879,7 +4933,7 @@
           <a:p>
             <a:r>
               <a:rPr lang="en-US" altLang="ko-KR"/>
-              <a:t>Result:Hydrogrn</a:t>
+              <a:t>How can we see our result is correct?</a:t>
             </a:r>
             <a:endParaRPr lang="ko-KR" altLang="en-US"/>
           </a:p>
@@ -4890,7 +4944,7 @@
           <p:cNvPr id="4" name="날짜 개체 틀 3">
             <a:extLst>
               <a:ext uri="{FF2B5EF4-FFF2-40B4-BE49-F238E27FC236}">
-                <a16:creationId xmlns:a16="http://schemas.microsoft.com/office/drawing/2014/main" id="{FD7EC2E8-4E51-F20A-4BE2-F0D6FD2E4ED6}"/>
+                <a16:creationId xmlns:a16="http://schemas.microsoft.com/office/drawing/2014/main" id="{0194CF22-3D07-9B38-86F2-E6E6BDACC536}"/>
               </a:ext>
             </a:extLst>
           </p:cNvPr>
@@ -4916,12 +4970,48 @@
           </a:p>
         </p:txBody>
       </p:sp>
+      <p:sp>
+        <p:nvSpPr>
+          <p:cNvPr id="5" name="TextBox 4">
+            <a:extLst>
+              <a:ext uri="{FF2B5EF4-FFF2-40B4-BE49-F238E27FC236}">
+                <a16:creationId xmlns:a16="http://schemas.microsoft.com/office/drawing/2014/main" id="{D7391B61-0D97-0D5C-9205-88F3F34B2EEA}"/>
+              </a:ext>
+            </a:extLst>
+          </p:cNvPr>
+          <p:cNvSpPr txBox="1"/>
+          <p:nvPr/>
+        </p:nvSpPr>
+        <p:spPr>
+          <a:xfrm>
+            <a:off x="85344" y="1562672"/>
+            <a:ext cx="2499595" cy="369332"/>
+          </a:xfrm>
+          <a:prstGeom prst="rect">
+            <a:avLst/>
+          </a:prstGeom>
+          <a:noFill/>
+        </p:spPr>
+        <p:txBody>
+          <a:bodyPr wrap="none" rtlCol="0">
+            <a:spAutoFit/>
+          </a:bodyPr>
+          <a:lstStyle/>
+          <a:p>
+            <a:r>
+              <a:rPr lang="en-US" altLang="ko-KR"/>
+              <a:t>Measured amplitude A : </a:t>
+            </a:r>
+            <a:endParaRPr lang="ko-KR" altLang="en-US"/>
+          </a:p>
+        </p:txBody>
+      </p:sp>
       <p:pic>
         <p:nvPicPr>
           <p:cNvPr id="6" name="그림 5">
             <a:extLst>
               <a:ext uri="{FF2B5EF4-FFF2-40B4-BE49-F238E27FC236}">
-                <a16:creationId xmlns:a16="http://schemas.microsoft.com/office/drawing/2014/main" id="{C8D682E9-BFB5-4D17-0D5A-834EBAC67AFC}"/>
+                <a16:creationId xmlns:a16="http://schemas.microsoft.com/office/drawing/2014/main" id="{F97A640D-61C4-295E-C237-19C09D4C808F}"/>
               </a:ext>
             </a:extLst>
           </p:cNvPr>
@@ -4931,15 +5021,221 @@
           <p:nvPr/>
         </p:nvPicPr>
         <p:blipFill>
-          <a:blip r:embed="rId2"/>
+          <a:blip r:embed="rId5"/>
           <a:stretch>
             <a:fillRect/>
           </a:stretch>
         </p:blipFill>
         <p:spPr>
           <a:xfrm>
-            <a:off x="85344" y="1267077"/>
-            <a:ext cx="4706789" cy="2117546"/>
+            <a:off x="2584939" y="1247071"/>
+            <a:ext cx="3234483" cy="1000534"/>
+          </a:xfrm>
+          <a:prstGeom prst="rect">
+            <a:avLst/>
+          </a:prstGeom>
+        </p:spPr>
+      </p:pic>
+      <p:sp>
+        <p:nvSpPr>
+          <p:cNvPr id="7" name="TextBox 6">
+            <a:extLst>
+              <a:ext uri="{FF2B5EF4-FFF2-40B4-BE49-F238E27FC236}">
+                <a16:creationId xmlns:a16="http://schemas.microsoft.com/office/drawing/2014/main" id="{FAE3FC10-31E2-02B2-C4D3-48D14AEDEC91}"/>
+              </a:ext>
+            </a:extLst>
+          </p:cNvPr>
+          <p:cNvSpPr txBox="1"/>
+          <p:nvPr/>
+        </p:nvSpPr>
+        <p:spPr>
+          <a:xfrm>
+            <a:off x="85344" y="2390823"/>
+            <a:ext cx="2182649" cy="369332"/>
+          </a:xfrm>
+          <a:prstGeom prst="rect">
+            <a:avLst/>
+          </a:prstGeom>
+          <a:noFill/>
+        </p:spPr>
+        <p:txBody>
+          <a:bodyPr wrap="none" rtlCol="0">
+            <a:spAutoFit/>
+          </a:bodyPr>
+          <a:lstStyle/>
+          <a:p>
+            <a:r>
+              <a:rPr lang="en-US" altLang="ko-KR"/>
+              <a:t>Measured linewidth: </a:t>
+            </a:r>
+            <a:endParaRPr lang="ko-KR" altLang="en-US"/>
+          </a:p>
+        </p:txBody>
+      </p:sp>
+      <p:pic>
+        <p:nvPicPr>
+          <p:cNvPr id="8" name="그림 7">
+            <a:extLst>
+              <a:ext uri="{FF2B5EF4-FFF2-40B4-BE49-F238E27FC236}">
+                <a16:creationId xmlns:a16="http://schemas.microsoft.com/office/drawing/2014/main" id="{85F932D8-F8B0-DBCA-9956-A1217C7A94FA}"/>
+              </a:ext>
+            </a:extLst>
+          </p:cNvPr>
+          <p:cNvPicPr>
+            <a:picLocks noChangeAspect="1"/>
+          </p:cNvPicPr>
+          <p:nvPr/>
+        </p:nvPicPr>
+        <p:blipFill>
+          <a:blip r:embed="rId6"/>
+          <a:stretch>
+            <a:fillRect/>
+          </a:stretch>
+        </p:blipFill>
+        <p:spPr>
+          <a:xfrm>
+            <a:off x="2322438" y="2181007"/>
+            <a:ext cx="1532718" cy="1033777"/>
+          </a:xfrm>
+          <a:prstGeom prst="rect">
+            <a:avLst/>
+          </a:prstGeom>
+        </p:spPr>
+      </p:pic>
+      <p:sp>
+        <p:nvSpPr>
+          <p:cNvPr id="9" name="TextBox 8">
+            <a:extLst>
+              <a:ext uri="{FF2B5EF4-FFF2-40B4-BE49-F238E27FC236}">
+                <a16:creationId xmlns:a16="http://schemas.microsoft.com/office/drawing/2014/main" id="{15D54695-3BA2-E3CB-ECC7-9ED713D0CCE2}"/>
+              </a:ext>
+            </a:extLst>
+          </p:cNvPr>
+          <p:cNvSpPr txBox="1"/>
+          <p:nvPr/>
+        </p:nvSpPr>
+        <p:spPr>
+          <a:xfrm>
+            <a:off x="85344" y="3286393"/>
+            <a:ext cx="3685561" cy="369332"/>
+          </a:xfrm>
+          <a:prstGeom prst="rect">
+            <a:avLst/>
+          </a:prstGeom>
+          <a:noFill/>
+        </p:spPr>
+        <p:txBody>
+          <a:bodyPr wrap="none" rtlCol="0">
+            <a:spAutoFit/>
+          </a:bodyPr>
+          <a:lstStyle/>
+          <a:p>
+            <a:r>
+              <a:rPr lang="en-US" altLang="ko-KR"/>
+              <a:t>Product of amplitude and linewidth : </a:t>
+            </a:r>
+            <a:endParaRPr lang="ko-KR" altLang="en-US"/>
+          </a:p>
+        </p:txBody>
+      </p:sp>
+      <p:pic>
+        <p:nvPicPr>
+          <p:cNvPr id="26" name="그림 25" descr="\documentclass{article}&#10;\usepackage{amsmath}&#10;\pagestyle{empty}&#10;\begin{document}&#10;&#10;$A \Delta \omega \simeq \frac{N\gamma}{2} \exp(-\hbar \omega_{0} / kT)$&#10;&#10;&#10;\end{document}" title="IguanaTex Bitmap Display">
+            <a:extLst>
+              <a:ext uri="{FF2B5EF4-FFF2-40B4-BE49-F238E27FC236}">
+                <a16:creationId xmlns:a16="http://schemas.microsoft.com/office/drawing/2014/main" id="{8F862272-F1E8-A62B-141C-85D49778D1A2}"/>
+              </a:ext>
+            </a:extLst>
+          </p:cNvPr>
+          <p:cNvPicPr>
+            <a:picLocks noChangeAspect="1"/>
+          </p:cNvPicPr>
+          <p:nvPr>
+            <p:custDataLst>
+              <p:tags r:id="rId1"/>
+            </p:custDataLst>
+          </p:nvPr>
+        </p:nvPicPr>
+        <p:blipFill>
+          <a:blip r:embed="rId7"/>
+          <a:stretch>
+            <a:fillRect/>
+          </a:stretch>
+        </p:blipFill>
+        <p:spPr>
+          <a:xfrm>
+            <a:off x="3609670" y="3388088"/>
+            <a:ext cx="2624911" cy="288001"/>
+          </a:xfrm>
+          <a:prstGeom prst="rect">
+            <a:avLst/>
+          </a:prstGeom>
+        </p:spPr>
+      </p:pic>
+      <p:sp>
+        <p:nvSpPr>
+          <p:cNvPr id="14" name="TextBox 13">
+            <a:extLst>
+              <a:ext uri="{FF2B5EF4-FFF2-40B4-BE49-F238E27FC236}">
+                <a16:creationId xmlns:a16="http://schemas.microsoft.com/office/drawing/2014/main" id="{34C21B57-A249-2B48-F064-BF296B9556EF}"/>
+              </a:ext>
+            </a:extLst>
+          </p:cNvPr>
+          <p:cNvSpPr txBox="1"/>
+          <p:nvPr/>
+        </p:nvSpPr>
+        <p:spPr>
+          <a:xfrm>
+            <a:off x="474811" y="4121388"/>
+            <a:ext cx="5771132" cy="369332"/>
+          </a:xfrm>
+          <a:prstGeom prst="rect">
+            <a:avLst/>
+          </a:prstGeom>
+          <a:noFill/>
+        </p:spPr>
+        <p:txBody>
+          <a:bodyPr wrap="none" rtlCol="0">
+            <a:spAutoFit/>
+          </a:bodyPr>
+          <a:lstStyle/>
+          <a:p>
+            <a:r>
+              <a:rPr lang="en-US" altLang="ko-KR"/>
+              <a:t>If there is only ideal spontaneous decay, then             follows </a:t>
+            </a:r>
+            <a:endParaRPr lang="ko-KR" altLang="en-US"/>
+          </a:p>
+        </p:txBody>
+      </p:sp>
+      <p:pic>
+        <p:nvPicPr>
+          <p:cNvPr id="17" name="그림 16" descr="\documentclass{article}&#10;\usepackage{amsmath}&#10;\pagestyle{empty}&#10;\begin{document}&#10;&#10;$A \Delta \omega $&#10;&#10;&#10;\end{document}" title="IguanaTex Bitmap Display">
+            <a:extLst>
+              <a:ext uri="{FF2B5EF4-FFF2-40B4-BE49-F238E27FC236}">
+                <a16:creationId xmlns:a16="http://schemas.microsoft.com/office/drawing/2014/main" id="{5D080706-E6F5-4B46-7621-3DF43D3C255B}"/>
+              </a:ext>
+            </a:extLst>
+          </p:cNvPr>
+          <p:cNvPicPr>
+            <a:picLocks noChangeAspect="1"/>
+          </p:cNvPicPr>
+          <p:nvPr>
+            <p:custDataLst>
+              <p:tags r:id="rId2"/>
+            </p:custDataLst>
+          </p:nvPr>
+        </p:nvPicPr>
+        <p:blipFill>
+          <a:blip r:embed="rId8"/>
+          <a:stretch>
+            <a:fillRect/>
+          </a:stretch>
+        </p:blipFill>
+        <p:spPr>
+          <a:xfrm>
+            <a:off x="4885316" y="4223082"/>
+            <a:ext cx="490971" cy="165943"/>
           </a:xfrm>
           <a:prstGeom prst="rect">
             <a:avLst/>
@@ -4948,38 +5244,94 @@
       </p:pic>
       <p:pic>
         <p:nvPicPr>
-          <p:cNvPr id="8" name="그림 7">
-            <a:extLst>
-              <a:ext uri="{FF2B5EF4-FFF2-40B4-BE49-F238E27FC236}">
-                <a16:creationId xmlns:a16="http://schemas.microsoft.com/office/drawing/2014/main" id="{761C2132-B099-27D2-8502-B4F83A214330}"/>
+          <p:cNvPr id="24" name="그림 23" descr="\documentclass{article}&#10;\usepackage{amsmath}&#10;\pagestyle{empty}&#10;\begin{document}&#10;&#10;$\omega_{0}^{2} \exp(-\hbar \omega_{0} / kT)$&#10;&#10;&#10;\end{document}" title="IguanaTex Bitmap Display">
+            <a:extLst>
+              <a:ext uri="{FF2B5EF4-FFF2-40B4-BE49-F238E27FC236}">
+                <a16:creationId xmlns:a16="http://schemas.microsoft.com/office/drawing/2014/main" id="{58D0328E-A1EC-9FCA-1A93-C5231F9E9F0B}"/>
               </a:ext>
             </a:extLst>
           </p:cNvPr>
           <p:cNvPicPr>
             <a:picLocks noChangeAspect="1"/>
           </p:cNvPicPr>
-          <p:nvPr/>
+          <p:nvPr>
+            <p:custDataLst>
+              <p:tags r:id="rId3"/>
+            </p:custDataLst>
+          </p:nvPr>
         </p:nvPicPr>
         <p:blipFill>
-          <a:blip r:embed="rId3"/>
+          <a:blip r:embed="rId9"/>
           <a:stretch>
             <a:fillRect/>
           </a:stretch>
         </p:blipFill>
         <p:spPr>
           <a:xfrm>
-            <a:off x="6242754" y="1284559"/>
-            <a:ext cx="4577645" cy="4288881"/>
+            <a:off x="6208889" y="4182625"/>
+            <a:ext cx="1747196" cy="246857"/>
           </a:xfrm>
           <a:prstGeom prst="rect">
             <a:avLst/>
           </a:prstGeom>
         </p:spPr>
       </p:pic>
+      <p:sp>
+        <p:nvSpPr>
+          <p:cNvPr id="22" name="화살표: 오른쪽 21">
+            <a:extLst>
+              <a:ext uri="{FF2B5EF4-FFF2-40B4-BE49-F238E27FC236}">
+                <a16:creationId xmlns:a16="http://schemas.microsoft.com/office/drawing/2014/main" id="{3FE72074-83EF-3000-BC08-2667E1C7515C}"/>
+              </a:ext>
+            </a:extLst>
+          </p:cNvPr>
+          <p:cNvSpPr/>
+          <p:nvPr/>
+        </p:nvSpPr>
+        <p:spPr>
+          <a:xfrm>
+            <a:off x="161252" y="4105503"/>
+            <a:ext cx="380614" cy="401098"/>
+          </a:xfrm>
+          <a:prstGeom prst="rightArrow">
+            <a:avLst/>
+          </a:prstGeom>
+          <a:solidFill>
+            <a:schemeClr val="tx2"/>
+          </a:solidFill>
+          <a:ln>
+            <a:noFill/>
+          </a:ln>
+        </p:spPr>
+        <p:style>
+          <a:lnRef idx="2">
+            <a:schemeClr val="accent1">
+              <a:shade val="15000"/>
+            </a:schemeClr>
+          </a:lnRef>
+          <a:fillRef idx="1">
+            <a:schemeClr val="accent1"/>
+          </a:fillRef>
+          <a:effectRef idx="0">
+            <a:schemeClr val="accent1"/>
+          </a:effectRef>
+          <a:fontRef idx="minor">
+            <a:schemeClr val="lt1"/>
+          </a:fontRef>
+        </p:style>
+        <p:txBody>
+          <a:bodyPr rtlCol="0" anchor="ctr"/>
+          <a:lstStyle/>
+          <a:p>
+            <a:pPr algn="ctr"/>
+            <a:endParaRPr lang="ko-KR" altLang="en-US"/>
+          </a:p>
+        </p:txBody>
+      </p:sp>
     </p:spTree>
     <p:extLst>
       <p:ext uri="{BB962C8B-B14F-4D97-AF65-F5344CB8AC3E}">
-        <p14:creationId xmlns:p14="http://schemas.microsoft.com/office/powerpoint/2010/main" val="972179502"/>
+        <p14:creationId xmlns:p14="http://schemas.microsoft.com/office/powerpoint/2010/main" val="1316198400"/>
       </p:ext>
     </p:extLst>
   </p:cSld>
@@ -5008,6 +5360,186 @@
       </p:grpSpPr>
       <p:sp>
         <p:nvSpPr>
+          <p:cNvPr id="2" name="제목 1">
+            <a:extLst>
+              <a:ext uri="{FF2B5EF4-FFF2-40B4-BE49-F238E27FC236}">
+                <a16:creationId xmlns:a16="http://schemas.microsoft.com/office/drawing/2014/main" id="{80677960-83F5-5987-70B2-BFAC45C2349A}"/>
+              </a:ext>
+            </a:extLst>
+          </p:cNvPr>
+          <p:cNvSpPr>
+            <a:spLocks noGrp="1"/>
+          </p:cNvSpPr>
+          <p:nvPr>
+            <p:ph type="title"/>
+          </p:nvPr>
+        </p:nvSpPr>
+        <p:spPr/>
+        <p:txBody>
+          <a:bodyPr/>
+          <a:lstStyle/>
+          <a:p>
+            <a:r>
+              <a:rPr lang="en-US" altLang="ko-KR"/>
+              <a:t>Result:Hydrogrn</a:t>
+            </a:r>
+            <a:endParaRPr lang="ko-KR" altLang="en-US"/>
+          </a:p>
+        </p:txBody>
+      </p:sp>
+      <p:sp>
+        <p:nvSpPr>
+          <p:cNvPr id="4" name="날짜 개체 틀 3">
+            <a:extLst>
+              <a:ext uri="{FF2B5EF4-FFF2-40B4-BE49-F238E27FC236}">
+                <a16:creationId xmlns:a16="http://schemas.microsoft.com/office/drawing/2014/main" id="{FD7EC2E8-4E51-F20A-4BE2-F0D6FD2E4ED6}"/>
+              </a:ext>
+            </a:extLst>
+          </p:cNvPr>
+          <p:cNvSpPr>
+            <a:spLocks noGrp="1"/>
+          </p:cNvSpPr>
+          <p:nvPr>
+            <p:ph type="dt" sz="half" idx="10"/>
+          </p:nvPr>
+        </p:nvSpPr>
+        <p:spPr/>
+        <p:txBody>
+          <a:bodyPr/>
+          <a:lstStyle/>
+          <a:p>
+            <a:r>
+              <a:rPr kumimoji="1" lang="en-US" altLang="ko-KR">
+                <a:ea typeface="Verdana" panose="020B0604030504040204" pitchFamily="34" charset="0"/>
+              </a:rPr>
+              <a:t>2023. 11. 03.</a:t>
+            </a:r>
+            <a:endParaRPr kumimoji="1" lang="ko-Kore-KR" altLang="en-US" dirty="0"/>
+          </a:p>
+        </p:txBody>
+      </p:sp>
+      <p:pic>
+        <p:nvPicPr>
+          <p:cNvPr id="6" name="그림 5">
+            <a:extLst>
+              <a:ext uri="{FF2B5EF4-FFF2-40B4-BE49-F238E27FC236}">
+                <a16:creationId xmlns:a16="http://schemas.microsoft.com/office/drawing/2014/main" id="{C8D682E9-BFB5-4D17-0D5A-834EBAC67AFC}"/>
+              </a:ext>
+            </a:extLst>
+          </p:cNvPr>
+          <p:cNvPicPr>
+            <a:picLocks noChangeAspect="1"/>
+          </p:cNvPicPr>
+          <p:nvPr/>
+        </p:nvPicPr>
+        <p:blipFill>
+          <a:blip r:embed="rId2"/>
+          <a:stretch>
+            <a:fillRect/>
+          </a:stretch>
+        </p:blipFill>
+        <p:spPr>
+          <a:xfrm>
+            <a:off x="85345" y="1267077"/>
+            <a:ext cx="3820612" cy="1718862"/>
+          </a:xfrm>
+          <a:prstGeom prst="rect">
+            <a:avLst/>
+          </a:prstGeom>
+        </p:spPr>
+      </p:pic>
+      <p:pic>
+        <p:nvPicPr>
+          <p:cNvPr id="8" name="그림 7">
+            <a:extLst>
+              <a:ext uri="{FF2B5EF4-FFF2-40B4-BE49-F238E27FC236}">
+                <a16:creationId xmlns:a16="http://schemas.microsoft.com/office/drawing/2014/main" id="{761C2132-B099-27D2-8502-B4F83A214330}"/>
+              </a:ext>
+            </a:extLst>
+          </p:cNvPr>
+          <p:cNvPicPr>
+            <a:picLocks noChangeAspect="1"/>
+          </p:cNvPicPr>
+          <p:nvPr/>
+        </p:nvPicPr>
+        <p:blipFill>
+          <a:blip r:embed="rId3"/>
+          <a:stretch>
+            <a:fillRect/>
+          </a:stretch>
+        </p:blipFill>
+        <p:spPr>
+          <a:xfrm>
+            <a:off x="537504" y="2885748"/>
+            <a:ext cx="3870807" cy="3626630"/>
+          </a:xfrm>
+          <a:prstGeom prst="rect">
+            <a:avLst/>
+          </a:prstGeom>
+        </p:spPr>
+      </p:pic>
+      <p:pic>
+        <p:nvPicPr>
+          <p:cNvPr id="5" name="그림 4">
+            <a:extLst>
+              <a:ext uri="{FF2B5EF4-FFF2-40B4-BE49-F238E27FC236}">
+                <a16:creationId xmlns:a16="http://schemas.microsoft.com/office/drawing/2014/main" id="{05AE196F-C97C-7446-EE6D-FD79D18B11CE}"/>
+              </a:ext>
+            </a:extLst>
+          </p:cNvPr>
+          <p:cNvPicPr>
+            <a:picLocks noChangeAspect="1"/>
+          </p:cNvPicPr>
+          <p:nvPr/>
+        </p:nvPicPr>
+        <p:blipFill>
+          <a:blip r:embed="rId4"/>
+          <a:stretch>
+            <a:fillRect/>
+          </a:stretch>
+        </p:blipFill>
+        <p:spPr>
+          <a:xfrm>
+            <a:off x="5236762" y="1619711"/>
+            <a:ext cx="5871505" cy="4514272"/>
+          </a:xfrm>
+          <a:prstGeom prst="rect">
+            <a:avLst/>
+          </a:prstGeom>
+        </p:spPr>
+      </p:pic>
+    </p:spTree>
+    <p:extLst>
+      <p:ext uri="{BB962C8B-B14F-4D97-AF65-F5344CB8AC3E}">
+        <p14:creationId xmlns:p14="http://schemas.microsoft.com/office/powerpoint/2010/main" val="972179502"/>
+      </p:ext>
+    </p:extLst>
+  </p:cSld>
+  <p:clrMapOvr>
+    <a:masterClrMapping/>
+  </p:clrMapOvr>
+</p:sld>
+</file>
+
+<file path=ppt/slides/slide13.xml><?xml version="1.0" encoding="utf-8"?>
+<p:sld xmlns:a="http://schemas.openxmlformats.org/drawingml/2006/main" xmlns:r="http://schemas.openxmlformats.org/officeDocument/2006/relationships" xmlns:p="http://schemas.openxmlformats.org/presentationml/2006/main">
+  <p:cSld>
+    <p:spTree>
+      <p:nvGrpSpPr>
+        <p:cNvPr id="1" name=""/>
+        <p:cNvGrpSpPr/>
+        <p:nvPr/>
+      </p:nvGrpSpPr>
+      <p:grpSpPr>
+        <a:xfrm>
+          <a:off x="0" y="0"/>
+          <a:ext cx="0" cy="0"/>
+          <a:chOff x="0" y="0"/>
+          <a:chExt cx="0" cy="0"/>
+        </a:xfrm>
+      </p:grpSpPr>
+      <p:sp>
+        <p:nvSpPr>
           <p:cNvPr id="4" name="날짜 개체 틀 3">
             <a:extLst>
               <a:ext uri="{FF2B5EF4-FFF2-40B4-BE49-F238E27FC236}">
@@ -5114,7 +5646,7 @@
           <p:nvPr>
             <p:extLst>
               <p:ext uri="{D42A27DB-BD31-4B8C-83A1-F6EECF244321}">
-                <p14:modId xmlns:p14="http://schemas.microsoft.com/office/powerpoint/2010/main" val="1817300498"/>
+                <p14:modId xmlns:p14="http://schemas.microsoft.com/office/powerpoint/2010/main" val="3869697807"/>
               </p:ext>
             </p:extLst>
           </p:nvPr>
@@ -5227,7 +5759,7 @@
                             <a:schemeClr val="tx1"/>
                           </a:solidFill>
                         </a:rPr>
-                        <a:t>freq*linewidth</a:t>
+                        <a:t>Amp*linewidth</a:t>
                       </a:r>
                       <a:endParaRPr lang="ko-KR" altLang="en-US">
                         <a:solidFill>
@@ -6750,7 +7282,7 @@
 </p:sld>
 </file>
 
-<file path=ppt/slides/slide13.xml><?xml version="1.0" encoding="utf-8"?>
+<file path=ppt/slides/slide14.xml><?xml version="1.0" encoding="utf-8"?>
 <p:sld xmlns:a="http://schemas.openxmlformats.org/drawingml/2006/main" xmlns:r="http://schemas.openxmlformats.org/officeDocument/2006/relationships" xmlns:p="http://schemas.openxmlformats.org/presentationml/2006/main">
   <p:cSld>
     <p:spTree>
@@ -6827,36 +7359,6 @@
           </a:p>
         </p:txBody>
       </p:sp>
-      <p:pic>
-        <p:nvPicPr>
-          <p:cNvPr id="6" name="그림 5">
-            <a:extLst>
-              <a:ext uri="{FF2B5EF4-FFF2-40B4-BE49-F238E27FC236}">
-                <a16:creationId xmlns:a16="http://schemas.microsoft.com/office/drawing/2014/main" id="{002011B6-0D85-F9ED-5EF9-200FACE642A1}"/>
-              </a:ext>
-            </a:extLst>
-          </p:cNvPr>
-          <p:cNvPicPr>
-            <a:picLocks noChangeAspect="1"/>
-          </p:cNvPicPr>
-          <p:nvPr/>
-        </p:nvPicPr>
-        <p:blipFill>
-          <a:blip r:embed="rId2"/>
-          <a:stretch>
-            <a:fillRect/>
-          </a:stretch>
-        </p:blipFill>
-        <p:spPr>
-          <a:xfrm>
-            <a:off x="502086" y="1473099"/>
-            <a:ext cx="4921503" cy="3911801"/>
-          </a:xfrm>
-          <a:prstGeom prst="rect">
-            <a:avLst/>
-          </a:prstGeom>
-        </p:spPr>
-      </p:pic>
       <p:sp>
         <p:nvSpPr>
           <p:cNvPr id="7" name="TextBox 6">
@@ -6872,7 +7374,7 @@
         <p:spPr>
           <a:xfrm>
             <a:off x="5717327" y="1215763"/>
-            <a:ext cx="5305170" cy="646331"/>
+            <a:ext cx="5358070" cy="923330"/>
           </a:xfrm>
           <a:prstGeom prst="rect">
             <a:avLst/>
@@ -6887,18 +7389,103 @@
           <a:p>
             <a:r>
               <a:rPr lang="en-US" altLang="ko-KR"/>
-              <a:t>peak follows power of 10th of frequency</a:t>
+              <a:t>peak follows power of 12th of frequency</a:t>
             </a:r>
           </a:p>
           <a:p>
             <a:r>
               <a:rPr lang="en-US" altLang="ko-KR"/>
-              <a:t>-&gt;need more accurate model to show this dependency</a:t>
+              <a:t>-&gt;    has</a:t>
             </a:r>
-            <a:endParaRPr lang="ko-KR" altLang="en-US"/>
+            <a:r>
+              <a:rPr lang="ko-KR" altLang="en-US"/>
+              <a:t> </a:t>
+            </a:r>
+            <a:r>
+              <a:rPr lang="en-US" altLang="ko-KR"/>
+              <a:t>frequency</a:t>
+            </a:r>
+            <a:r>
+              <a:rPr lang="ko-KR" altLang="en-US"/>
+              <a:t> </a:t>
+            </a:r>
+            <a:r>
+              <a:rPr lang="en-US" altLang="ko-KR"/>
+              <a:t>dependency?-&gt; Maybe not</a:t>
+            </a:r>
+          </a:p>
+          <a:p>
+            <a:r>
+              <a:rPr lang="en-US" altLang="ko-KR"/>
+              <a:t>-&gt; need more accurate model to show this dependency</a:t>
+            </a:r>
           </a:p>
         </p:txBody>
       </p:sp>
+      <p:pic>
+        <p:nvPicPr>
+          <p:cNvPr id="5" name="그림 4" descr="\documentclass{article}&#10;\usepackage{amsmath}&#10;\pagestyle{empty}&#10;\begin{document}&#10;&#10;$\kappa$&#10;&#10;&#10;\end{document}" title="IguanaTex Bitmap Display">
+            <a:extLst>
+              <a:ext uri="{FF2B5EF4-FFF2-40B4-BE49-F238E27FC236}">
+                <a16:creationId xmlns:a16="http://schemas.microsoft.com/office/drawing/2014/main" id="{3A7E6276-4FE9-0FE8-BBAE-52A73600D6FF}"/>
+              </a:ext>
+            </a:extLst>
+          </p:cNvPr>
+          <p:cNvPicPr>
+            <a:picLocks noChangeAspect="1"/>
+          </p:cNvPicPr>
+          <p:nvPr>
+            <p:custDataLst>
+              <p:tags r:id="rId1"/>
+            </p:custDataLst>
+          </p:nvPr>
+        </p:nvPicPr>
+        <p:blipFill>
+          <a:blip r:embed="rId3"/>
+          <a:stretch>
+            <a:fillRect/>
+          </a:stretch>
+        </p:blipFill>
+        <p:spPr>
+          <a:xfrm>
+            <a:off x="6039771" y="1636891"/>
+            <a:ext cx="112457" cy="104229"/>
+          </a:xfrm>
+          <a:prstGeom prst="rect">
+            <a:avLst/>
+          </a:prstGeom>
+        </p:spPr>
+      </p:pic>
+      <p:pic>
+        <p:nvPicPr>
+          <p:cNvPr id="9" name="그림 8">
+            <a:extLst>
+              <a:ext uri="{FF2B5EF4-FFF2-40B4-BE49-F238E27FC236}">
+                <a16:creationId xmlns:a16="http://schemas.microsoft.com/office/drawing/2014/main" id="{D431F96C-082D-0A0E-88BE-9818CE1A0A9A}"/>
+              </a:ext>
+            </a:extLst>
+          </p:cNvPr>
+          <p:cNvPicPr>
+            <a:picLocks noChangeAspect="1"/>
+          </p:cNvPicPr>
+          <p:nvPr/>
+        </p:nvPicPr>
+        <p:blipFill>
+          <a:blip r:embed="rId4"/>
+          <a:stretch>
+            <a:fillRect/>
+          </a:stretch>
+        </p:blipFill>
+        <p:spPr>
+          <a:xfrm>
+            <a:off x="157208" y="1312236"/>
+            <a:ext cx="5092962" cy="3759393"/>
+          </a:xfrm>
+          <a:prstGeom prst="rect">
+            <a:avLst/>
+          </a:prstGeom>
+        </p:spPr>
+      </p:pic>
     </p:spTree>
     <p:extLst>
       <p:ext uri="{BB962C8B-B14F-4D97-AF65-F5344CB8AC3E}">
@@ -6912,7 +7499,302 @@
 </p:sld>
 </file>
 
-<file path=ppt/slides/slide14.xml><?xml version="1.0" encoding="utf-8"?>
+<file path=ppt/slides/slide15.xml><?xml version="1.0" encoding="utf-8"?>
+<p:sld xmlns:a="http://schemas.openxmlformats.org/drawingml/2006/main" xmlns:r="http://schemas.openxmlformats.org/officeDocument/2006/relationships" xmlns:p="http://schemas.openxmlformats.org/presentationml/2006/main">
+  <p:cSld>
+    <p:spTree>
+      <p:nvGrpSpPr>
+        <p:cNvPr id="1" name=""/>
+        <p:cNvGrpSpPr/>
+        <p:nvPr/>
+      </p:nvGrpSpPr>
+      <p:grpSpPr>
+        <a:xfrm>
+          <a:off x="0" y="0"/>
+          <a:ext cx="0" cy="0"/>
+          <a:chOff x="0" y="0"/>
+          <a:chExt cx="0" cy="0"/>
+        </a:xfrm>
+      </p:grpSpPr>
+      <p:sp>
+        <p:nvSpPr>
+          <p:cNvPr id="2" name="제목 1">
+            <a:extLst>
+              <a:ext uri="{FF2B5EF4-FFF2-40B4-BE49-F238E27FC236}">
+                <a16:creationId xmlns:a16="http://schemas.microsoft.com/office/drawing/2014/main" id="{CA8625B5-3C16-B78A-11EB-298D68A0B551}"/>
+              </a:ext>
+            </a:extLst>
+          </p:cNvPr>
+          <p:cNvSpPr>
+            <a:spLocks noGrp="1"/>
+          </p:cNvSpPr>
+          <p:nvPr>
+            <p:ph type="title"/>
+          </p:nvPr>
+        </p:nvSpPr>
+        <p:spPr/>
+        <p:txBody>
+          <a:bodyPr/>
+          <a:lstStyle/>
+          <a:p>
+            <a:r>
+              <a:rPr lang="en-US" altLang="ko-KR"/>
+              <a:t>Discussion</a:t>
+            </a:r>
+            <a:endParaRPr lang="ko-KR" altLang="en-US"/>
+          </a:p>
+        </p:txBody>
+      </p:sp>
+      <p:sp>
+        <p:nvSpPr>
+          <p:cNvPr id="4" name="날짜 개체 틀 3">
+            <a:extLst>
+              <a:ext uri="{FF2B5EF4-FFF2-40B4-BE49-F238E27FC236}">
+                <a16:creationId xmlns:a16="http://schemas.microsoft.com/office/drawing/2014/main" id="{E3B59DAD-BD59-C668-0793-2B353A215D92}"/>
+              </a:ext>
+            </a:extLst>
+          </p:cNvPr>
+          <p:cNvSpPr>
+            <a:spLocks noGrp="1"/>
+          </p:cNvSpPr>
+          <p:nvPr>
+            <p:ph type="dt" sz="half" idx="10"/>
+          </p:nvPr>
+        </p:nvSpPr>
+        <p:spPr/>
+        <p:txBody>
+          <a:bodyPr/>
+          <a:lstStyle/>
+          <a:p>
+            <a:r>
+              <a:rPr kumimoji="1" lang="en-US" altLang="ko-KR">
+                <a:ea typeface="Verdana" panose="020B0604030504040204" pitchFamily="34" charset="0"/>
+              </a:rPr>
+              <a:t>2023. 11. 03.</a:t>
+            </a:r>
+            <a:endParaRPr kumimoji="1" lang="ko-Kore-KR" altLang="en-US" dirty="0"/>
+          </a:p>
+        </p:txBody>
+      </p:sp>
+      <p:pic>
+        <p:nvPicPr>
+          <p:cNvPr id="5" name="그림 4">
+            <a:extLst>
+              <a:ext uri="{FF2B5EF4-FFF2-40B4-BE49-F238E27FC236}">
+                <a16:creationId xmlns:a16="http://schemas.microsoft.com/office/drawing/2014/main" id="{D68D8ACD-873E-FD3F-7B6A-FA434652F1A6}"/>
+              </a:ext>
+            </a:extLst>
+          </p:cNvPr>
+          <p:cNvPicPr>
+            <a:picLocks noChangeAspect="1"/>
+          </p:cNvPicPr>
+          <p:nvPr/>
+        </p:nvPicPr>
+        <p:blipFill>
+          <a:blip r:embed="rId4"/>
+          <a:stretch>
+            <a:fillRect/>
+          </a:stretch>
+        </p:blipFill>
+        <p:spPr>
+          <a:xfrm>
+            <a:off x="219638" y="1222990"/>
+            <a:ext cx="4750044" cy="3486329"/>
+          </a:xfrm>
+          <a:prstGeom prst="rect">
+            <a:avLst/>
+          </a:prstGeom>
+        </p:spPr>
+      </p:pic>
+      <p:sp>
+        <p:nvSpPr>
+          <p:cNvPr id="6" name="TextBox 5">
+            <a:extLst>
+              <a:ext uri="{FF2B5EF4-FFF2-40B4-BE49-F238E27FC236}">
+                <a16:creationId xmlns:a16="http://schemas.microsoft.com/office/drawing/2014/main" id="{F0F1B84B-D455-58E4-AEBB-D55FB586291E}"/>
+              </a:ext>
+            </a:extLst>
+          </p:cNvPr>
+          <p:cNvSpPr txBox="1"/>
+          <p:nvPr/>
+        </p:nvSpPr>
+        <p:spPr>
+          <a:xfrm>
+            <a:off x="5717327" y="1215763"/>
+            <a:ext cx="5699317" cy="923330"/>
+          </a:xfrm>
+          <a:prstGeom prst="rect">
+            <a:avLst/>
+          </a:prstGeom>
+          <a:noFill/>
+        </p:spPr>
+        <p:txBody>
+          <a:bodyPr wrap="none" rtlCol="0">
+            <a:spAutoFit/>
+          </a:bodyPr>
+          <a:lstStyle/>
+          <a:p>
+            <a:r>
+              <a:rPr lang="en-US" altLang="ko-KR"/>
+              <a:t>We assumed      is fixed constant in our model.</a:t>
+            </a:r>
+          </a:p>
+          <a:p>
+            <a:r>
+              <a:rPr lang="en-US" altLang="ko-KR"/>
+              <a:t>But, if discharge tube has a fixed voltage, then     will show </a:t>
+            </a:r>
+          </a:p>
+          <a:p>
+            <a:r>
+              <a:rPr lang="en-US" altLang="ko-KR"/>
+              <a:t>lorentzian shape (e.g. Frank Hertz experiment)</a:t>
+            </a:r>
+          </a:p>
+        </p:txBody>
+      </p:sp>
+      <p:pic>
+        <p:nvPicPr>
+          <p:cNvPr id="8" name="그림 7" descr="\documentclass{article}&#10;\usepackage{amsmath}&#10;\pagestyle{empty}&#10;\begin{document}&#10;&#10;$\Lambda$&#10;&#10;&#10;\end{document}" title="IguanaTex Bitmap Display">
+            <a:extLst>
+              <a:ext uri="{FF2B5EF4-FFF2-40B4-BE49-F238E27FC236}">
+                <a16:creationId xmlns:a16="http://schemas.microsoft.com/office/drawing/2014/main" id="{449D4B1E-04EB-170D-CBF8-481DAED2E51F}"/>
+              </a:ext>
+            </a:extLst>
+          </p:cNvPr>
+          <p:cNvPicPr>
+            <a:picLocks noChangeAspect="1"/>
+          </p:cNvPicPr>
+          <p:nvPr>
+            <p:custDataLst>
+              <p:tags r:id="rId1"/>
+            </p:custDataLst>
+          </p:nvPr>
+        </p:nvPicPr>
+        <p:blipFill>
+          <a:blip r:embed="rId5"/>
+          <a:stretch>
+            <a:fillRect/>
+          </a:stretch>
+        </p:blipFill>
+        <p:spPr>
+          <a:xfrm>
+            <a:off x="7119622" y="1318829"/>
+            <a:ext cx="144000" cy="163200"/>
+          </a:xfrm>
+          <a:prstGeom prst="rect">
+            <a:avLst/>
+          </a:prstGeom>
+        </p:spPr>
+      </p:pic>
+      <p:pic>
+        <p:nvPicPr>
+          <p:cNvPr id="10" name="그림 9" descr="\documentclass{article}&#10;\usepackage{amsmath}&#10;\pagestyle{empty}&#10;\begin{document}&#10;&#10;$\Lambda$&#10;&#10;&#10;\end{document}" title="IguanaTex Bitmap Display">
+            <a:extLst>
+              <a:ext uri="{FF2B5EF4-FFF2-40B4-BE49-F238E27FC236}">
+                <a16:creationId xmlns:a16="http://schemas.microsoft.com/office/drawing/2014/main" id="{EB01BFA1-2050-0C6E-6F87-8A7FA22F915B}"/>
+              </a:ext>
+            </a:extLst>
+          </p:cNvPr>
+          <p:cNvPicPr>
+            <a:picLocks noChangeAspect="1"/>
+          </p:cNvPicPr>
+          <p:nvPr>
+            <p:custDataLst>
+              <p:tags r:id="rId2"/>
+            </p:custDataLst>
+          </p:nvPr>
+        </p:nvPicPr>
+        <p:blipFill>
+          <a:blip r:embed="rId5"/>
+          <a:stretch>
+            <a:fillRect/>
+          </a:stretch>
+        </p:blipFill>
+        <p:spPr>
+          <a:xfrm>
+            <a:off x="10133806" y="1606209"/>
+            <a:ext cx="144000" cy="163200"/>
+          </a:xfrm>
+          <a:prstGeom prst="rect">
+            <a:avLst/>
+          </a:prstGeom>
+        </p:spPr>
+      </p:pic>
+      <p:pic>
+        <p:nvPicPr>
+          <p:cNvPr id="12" name="그림 11">
+            <a:extLst>
+              <a:ext uri="{FF2B5EF4-FFF2-40B4-BE49-F238E27FC236}">
+                <a16:creationId xmlns:a16="http://schemas.microsoft.com/office/drawing/2014/main" id="{91AA68E9-2302-D231-94B7-693C2090B802}"/>
+              </a:ext>
+            </a:extLst>
+          </p:cNvPr>
+          <p:cNvPicPr>
+            <a:picLocks noChangeAspect="1"/>
+          </p:cNvPicPr>
+          <p:nvPr/>
+        </p:nvPicPr>
+        <p:blipFill>
+          <a:blip r:embed="rId6"/>
+          <a:stretch>
+            <a:fillRect/>
+          </a:stretch>
+        </p:blipFill>
+        <p:spPr>
+          <a:xfrm>
+            <a:off x="5888965" y="2242159"/>
+            <a:ext cx="4854323" cy="1069833"/>
+          </a:xfrm>
+          <a:prstGeom prst="rect">
+            <a:avLst/>
+          </a:prstGeom>
+        </p:spPr>
+      </p:pic>
+      <p:pic>
+        <p:nvPicPr>
+          <p:cNvPr id="14" name="그림 13">
+            <a:extLst>
+              <a:ext uri="{FF2B5EF4-FFF2-40B4-BE49-F238E27FC236}">
+                <a16:creationId xmlns:a16="http://schemas.microsoft.com/office/drawing/2014/main" id="{3864DDB0-744A-A216-043C-A355F8769F4B}"/>
+              </a:ext>
+            </a:extLst>
+          </p:cNvPr>
+          <p:cNvPicPr>
+            <a:picLocks noChangeAspect="1"/>
+          </p:cNvPicPr>
+          <p:nvPr/>
+        </p:nvPicPr>
+        <p:blipFill>
+          <a:blip r:embed="rId7"/>
+          <a:stretch>
+            <a:fillRect/>
+          </a:stretch>
+        </p:blipFill>
+        <p:spPr>
+          <a:xfrm>
+            <a:off x="6705600" y="3415058"/>
+            <a:ext cx="3320210" cy="2948871"/>
+          </a:xfrm>
+          <a:prstGeom prst="rect">
+            <a:avLst/>
+          </a:prstGeom>
+        </p:spPr>
+      </p:pic>
+    </p:spTree>
+    <p:extLst>
+      <p:ext uri="{BB962C8B-B14F-4D97-AF65-F5344CB8AC3E}">
+        <p14:creationId xmlns:p14="http://schemas.microsoft.com/office/powerpoint/2010/main" val="3424349731"/>
+      </p:ext>
+    </p:extLst>
+  </p:cSld>
+  <p:clrMapOvr>
+    <a:masterClrMapping/>
+  </p:clrMapOvr>
+</p:sld>
+</file>
+
+<file path=ppt/slides/slide16.xml><?xml version="1.0" encoding="utf-8"?>
 <p:sld xmlns:a="http://schemas.openxmlformats.org/drawingml/2006/main" xmlns:r="http://schemas.openxmlformats.org/officeDocument/2006/relationships" xmlns:p="http://schemas.openxmlformats.org/presentationml/2006/main">
   <p:cSld>
     <p:spTree>
@@ -17962,6 +18844,114 @@
   <p:tag name="LATEXADDIN" val="\documentclass{article}&#10;\usepackage{amsmath}&#10;\pagestyle{empty}&#10;\begin{document}&#10;&#10;$^{2}S$&#10;&#10;&#10;\end{document}"/>
   <p:tag name="IGUANATEXSIZE" val="20"/>
   <p:tag name="IGUANATEXCURSOR" val="87"/>
+  <p:tag name="TRANSPARENCY" val="True"/>
+  <p:tag name="LATEXENGINEID" val="0"/>
+  <p:tag name="TEMPFOLDER" val="c:\temp\"/>
+  <p:tag name="LATEXFORMHEIGHT" val="312"/>
+  <p:tag name="LATEXFORMWIDTH" val="384"/>
+  <p:tag name="LATEXFORMWRAP" val="True"/>
+  <p:tag name="BITMAPVECTOR" val="0"/>
+</p:tagLst>
+</file>
+
+<file path=ppt/tags/tag4.xml><?xml version="1.0" encoding="utf-8"?>
+<p:tagLst xmlns:a="http://schemas.openxmlformats.org/drawingml/2006/main" xmlns:r="http://schemas.openxmlformats.org/officeDocument/2006/relationships" xmlns:p="http://schemas.openxmlformats.org/presentationml/2006/main">
+  <p:tag name="OUTPUTDPI" val="1200"/>
+  <p:tag name="ORIGINALHEIGHT" val="157.4803"/>
+  <p:tag name="ORIGINALWIDTH" val="1435.321"/>
+  <p:tag name="LATEXADDIN" val="\documentclass{article}&#10;\usepackage{amsmath}&#10;\pagestyle{empty}&#10;\begin{document}&#10;&#10;$A \Delta \omega \simeq \frac{N\gamma}{2} \exp(-\hbar \omega_{0} / kT)$&#10;&#10;&#10;\end{document}"/>
+  <p:tag name="IGUANATEXSIZE" val="18"/>
+  <p:tag name="IGUANATEXCURSOR" val="121"/>
+  <p:tag name="TRANSPARENCY" val="True"/>
+  <p:tag name="LATEXENGINEID" val="0"/>
+  <p:tag name="TEMPFOLDER" val="c:\temp\"/>
+  <p:tag name="LATEXFORMHEIGHT" val="312"/>
+  <p:tag name="LATEXFORMWIDTH" val="384"/>
+  <p:tag name="LATEXFORMWRAP" val="True"/>
+  <p:tag name="BITMAPVECTOR" val="0"/>
+</p:tagLst>
+</file>
+
+<file path=ppt/tags/tag5.xml><?xml version="1.0" encoding="utf-8"?>
+<p:tagLst xmlns:a="http://schemas.openxmlformats.org/drawingml/2006/main" xmlns:r="http://schemas.openxmlformats.org/officeDocument/2006/relationships" xmlns:p="http://schemas.openxmlformats.org/presentationml/2006/main">
+  <p:tag name="OUTPUTDPI" val="1200"/>
+  <p:tag name="ORIGINALHEIGHT" val="90.73866"/>
+  <p:tag name="ORIGINALWIDTH" val="268.4665"/>
+  <p:tag name="LATEXADDIN" val="\documentclass{article}&#10;\usepackage{amsmath}&#10;\pagestyle{empty}&#10;\begin{document}&#10;&#10;$A \Delta \omega $&#10;&#10;&#10;\end{document}"/>
+  <p:tag name="IGUANATEXSIZE" val="18"/>
+  <p:tag name="IGUANATEXCURSOR" val="98"/>
+  <p:tag name="TRANSPARENCY" val="True"/>
+  <p:tag name="LATEXENGINEID" val="0"/>
+  <p:tag name="TEMPFOLDER" val="c:\temp\"/>
+  <p:tag name="LATEXFORMHEIGHT" val="312"/>
+  <p:tag name="LATEXFORMWIDTH" val="384"/>
+  <p:tag name="LATEXFORMWRAP" val="True"/>
+  <p:tag name="BITMAPVECTOR" val="0"/>
+</p:tagLst>
+</file>
+
+<file path=ppt/tags/tag6.xml><?xml version="1.0" encoding="utf-8"?>
+<p:tagLst xmlns:a="http://schemas.openxmlformats.org/drawingml/2006/main" xmlns:r="http://schemas.openxmlformats.org/officeDocument/2006/relationships" xmlns:p="http://schemas.openxmlformats.org/presentationml/2006/main">
+  <p:tag name="OUTPUTDPI" val="1200"/>
+  <p:tag name="ORIGINALHEIGHT" val="134.9832"/>
+  <p:tag name="ORIGINALWIDTH" val="955.3806"/>
+  <p:tag name="LATEXADDIN" val="\documentclass{article}&#10;\usepackage{amsmath}&#10;\pagestyle{empty}&#10;\begin{document}&#10;&#10;$\omega_{0}^{2} \exp(-\hbar \omega_{0} / kT)$&#10;&#10;&#10;\end{document}"/>
+  <p:tag name="IGUANATEXSIZE" val="18"/>
+  <p:tag name="IGUANATEXCURSOR" val="124"/>
+  <p:tag name="TRANSPARENCY" val="True"/>
+  <p:tag name="LATEXENGINEID" val="0"/>
+  <p:tag name="TEMPFOLDER" val="c:\temp\"/>
+  <p:tag name="LATEXFORMHEIGHT" val="312"/>
+  <p:tag name="LATEXFORMWIDTH" val="384"/>
+  <p:tag name="LATEXFORMWRAP" val="True"/>
+  <p:tag name="BITMAPVECTOR" val="0"/>
+</p:tagLst>
+</file>
+
+<file path=ppt/tags/tag7.xml><?xml version="1.0" encoding="utf-8"?>
+<p:tagLst xmlns:a="http://schemas.openxmlformats.org/drawingml/2006/main" xmlns:r="http://schemas.openxmlformats.org/officeDocument/2006/relationships" xmlns:p="http://schemas.openxmlformats.org/presentationml/2006/main">
+  <p:tag name="OUTPUTDPI" val="1200"/>
+  <p:tag name="ORIGINALHEIGHT" val="56.99291"/>
+  <p:tag name="ORIGINALWIDTH" val="61.49228"/>
+  <p:tag name="LATEXADDIN" val="\documentclass{article}&#10;\usepackage{amsmath}&#10;\pagestyle{empty}&#10;\begin{document}&#10;&#10;$\kappa$&#10;&#10;&#10;\end{document}"/>
+  <p:tag name="IGUANATEXSIZE" val="18"/>
+  <p:tag name="IGUANATEXCURSOR" val="88"/>
+  <p:tag name="TRANSPARENCY" val="True"/>
+  <p:tag name="LATEXENGINEID" val="0"/>
+  <p:tag name="TEMPFOLDER" val="c:\temp\"/>
+  <p:tag name="LATEXFORMHEIGHT" val="312"/>
+  <p:tag name="LATEXFORMWIDTH" val="384"/>
+  <p:tag name="LATEXFORMWRAP" val="True"/>
+  <p:tag name="BITMAPVECTOR" val="0"/>
+</p:tagLst>
+</file>
+
+<file path=ppt/tags/tag8.xml><?xml version="1.0" encoding="utf-8"?>
+<p:tagLst xmlns:a="http://schemas.openxmlformats.org/drawingml/2006/main" xmlns:r="http://schemas.openxmlformats.org/officeDocument/2006/relationships" xmlns:p="http://schemas.openxmlformats.org/presentationml/2006/main">
+  <p:tag name="OUTPUTDPI" val="1200"/>
+  <p:tag name="ORIGINALHEIGHT" val="89.23882"/>
+  <p:tag name="ORIGINALWIDTH" val="78.74016"/>
+  <p:tag name="LATEXADDIN" val="\documentclass{article}&#10;\usepackage{amsmath}&#10;\pagestyle{empty}&#10;\begin{document}&#10;&#10;$\Lambda$&#10;&#10;&#10;\end{document}"/>
+  <p:tag name="IGUANATEXSIZE" val="18"/>
+  <p:tag name="IGUANATEXCURSOR" val="89"/>
+  <p:tag name="TRANSPARENCY" val="True"/>
+  <p:tag name="LATEXENGINEID" val="0"/>
+  <p:tag name="TEMPFOLDER" val="c:\temp\"/>
+  <p:tag name="LATEXFORMHEIGHT" val="312"/>
+  <p:tag name="LATEXFORMWIDTH" val="384"/>
+  <p:tag name="LATEXFORMWRAP" val="True"/>
+  <p:tag name="BITMAPVECTOR" val="0"/>
+</p:tagLst>
+</file>
+
+<file path=ppt/tags/tag9.xml><?xml version="1.0" encoding="utf-8"?>
+<p:tagLst xmlns:a="http://schemas.openxmlformats.org/drawingml/2006/main" xmlns:r="http://schemas.openxmlformats.org/officeDocument/2006/relationships" xmlns:p="http://schemas.openxmlformats.org/presentationml/2006/main">
+  <p:tag name="OUTPUTDPI" val="1200"/>
+  <p:tag name="ORIGINALHEIGHT" val="89.23882"/>
+  <p:tag name="ORIGINALWIDTH" val="78.74016"/>
+  <p:tag name="LATEXADDIN" val="\documentclass{article}&#10;\usepackage{amsmath}&#10;\pagestyle{empty}&#10;\begin{document}&#10;&#10;$\Lambda$&#10;&#10;&#10;\end{document}"/>
+  <p:tag name="IGUANATEXSIZE" val="18"/>
+  <p:tag name="IGUANATEXCURSOR" val="89"/>
   <p:tag name="TRANSPARENCY" val="True"/>
   <p:tag name="LATEXENGINEID" val="0"/>
   <p:tag name="TEMPFOLDER" val="c:\temp\"/>
